--- a/Databricks/databricks_data_findings.pptx
+++ b/Databricks/databricks_data_findings.pptx
@@ -570,7 +570,7 @@
             </a:pPr>
             <a:r>
               <a:rPr lang="en-US" dirty="0"/>
-              <a:t>Strategically positioned to leverage data science &amp; engineering across markets &amp; business units in the company</a:t>
+              <a:t>Uniquely positioned to leverage data science &amp; engineering across markets &amp; business units in the company</a:t>
             </a:r>
           </a:p>
           <a:p>
@@ -687,6 +687,99 @@
               <a:t>1 delayed flight can have multiple causes</a:t>
             </a:r>
           </a:p>
+          <a:p>
+            <a:pPr marL="0" marR="0" lvl="0" indent="0" algn="l" defTabSz="914400" rtl="0" eaLnBrk="1" fontAlgn="auto" latinLnBrk="0" hangingPunct="1">
+              <a:lnSpc>
+                <a:spcPct val="100000"/>
+              </a:lnSpc>
+              <a:spcBef>
+                <a:spcPts val="0"/>
+              </a:spcBef>
+              <a:spcAft>
+                <a:spcPts val="0"/>
+              </a:spcAft>
+              <a:buClrTx/>
+              <a:buSzTx/>
+              <a:buFontTx/>
+              <a:buNone/>
+              <a:tabLst/>
+              <a:defRPr/>
+            </a:pPr>
+            <a:r>
+              <a:rPr lang="en-US" dirty="0"/>
+              <a:t>That was pretty cool, but I wondered if some insights could be gleaned from a visual of random sample of flight paths</a:t>
+            </a:r>
+          </a:p>
+          <a:p>
+            <a:pPr marL="0" marR="0" lvl="0" indent="0" algn="l" defTabSz="914400" rtl="0" eaLnBrk="1" fontAlgn="auto" latinLnBrk="0" hangingPunct="1">
+              <a:lnSpc>
+                <a:spcPct val="100000"/>
+              </a:lnSpc>
+              <a:spcBef>
+                <a:spcPts val="0"/>
+              </a:spcBef>
+              <a:spcAft>
+                <a:spcPts val="0"/>
+              </a:spcAft>
+              <a:buClrTx/>
+              <a:buSzTx/>
+              <a:buFontTx/>
+              <a:buNone/>
+              <a:tabLst/>
+              <a:defRPr/>
+            </a:pPr>
+            <a:r>
+              <a:rPr lang="en-US" dirty="0"/>
+              <a:t>I found this great dataset that had the </a:t>
+            </a:r>
+            <a:r>
+              <a:rPr lang="en-US" dirty="0" err="1"/>
+              <a:t>lat</a:t>
+            </a:r>
+            <a:r>
+              <a:rPr lang="en-US" dirty="0"/>
+              <a:t>, longs of IATA airports on the internet, so I pulled that into a </a:t>
+            </a:r>
+            <a:r>
+              <a:rPr lang="en-US" dirty="0" err="1"/>
+              <a:t>dataframe</a:t>
+            </a:r>
+            <a:r>
+              <a:rPr lang="en-US" dirty="0"/>
+              <a:t> and filtered it down to Normal US Landmass </a:t>
+            </a:r>
+            <a:r>
+              <a:rPr lang="en-US" dirty="0" err="1"/>
+              <a:t>lat</a:t>
+            </a:r>
+            <a:r>
+              <a:rPr lang="en-US" dirty="0"/>
+              <a:t>, longs</a:t>
+            </a:r>
+          </a:p>
+          <a:p>
+            <a:pPr marL="0" marR="0" lvl="0" indent="0" algn="l" defTabSz="914400" rtl="0" eaLnBrk="1" fontAlgn="auto" latinLnBrk="0" hangingPunct="1">
+              <a:lnSpc>
+                <a:spcPct val="100000"/>
+              </a:lnSpc>
+              <a:spcBef>
+                <a:spcPts val="0"/>
+              </a:spcBef>
+              <a:spcAft>
+                <a:spcPts val="0"/>
+              </a:spcAft>
+              <a:buClrTx/>
+              <a:buSzTx/>
+              <a:buFontTx/>
+              <a:buNone/>
+              <a:tabLst/>
+              <a:defRPr/>
+            </a:pPr>
+            <a:r>
+              <a:rPr lang="en-US" dirty="0"/>
+              <a:t>Which you see here</a:t>
+            </a:r>
+          </a:p>
         </p:txBody>
       </p:sp>
       <p:sp>
@@ -791,6 +884,83 @@
               <a:t>1 delayed flight can have multiple causes</a:t>
             </a:r>
           </a:p>
+          <a:p>
+            <a:pPr marL="0" marR="0" lvl="0" indent="0" algn="l" defTabSz="914400" rtl="0" eaLnBrk="1" fontAlgn="auto" latinLnBrk="0" hangingPunct="1">
+              <a:lnSpc>
+                <a:spcPct val="100000"/>
+              </a:lnSpc>
+              <a:spcBef>
+                <a:spcPts val="0"/>
+              </a:spcBef>
+              <a:spcAft>
+                <a:spcPts val="0"/>
+              </a:spcAft>
+              <a:buClrTx/>
+              <a:buSzTx/>
+              <a:buFontTx/>
+              <a:buNone/>
+              <a:tabLst/>
+              <a:defRPr/>
+            </a:pPr>
+            <a:r>
+              <a:rPr lang="en-US" dirty="0"/>
+              <a:t>I joined that </a:t>
+            </a:r>
+            <a:r>
+              <a:rPr lang="en-US" dirty="0" err="1"/>
+              <a:t>lat</a:t>
+            </a:r>
+            <a:r>
+              <a:rPr lang="en-US" dirty="0"/>
+              <a:t>, long information onto the flight-origin and destination data so that I had the coordinates for origin &amp; destination for each flight</a:t>
+            </a:r>
+          </a:p>
+          <a:p>
+            <a:pPr marL="0" marR="0" lvl="0" indent="0" algn="l" defTabSz="914400" rtl="0" eaLnBrk="1" fontAlgn="auto" latinLnBrk="0" hangingPunct="1">
+              <a:lnSpc>
+                <a:spcPct val="100000"/>
+              </a:lnSpc>
+              <a:spcBef>
+                <a:spcPts val="0"/>
+              </a:spcBef>
+              <a:spcAft>
+                <a:spcPts val="0"/>
+              </a:spcAft>
+              <a:buClrTx/>
+              <a:buSzTx/>
+              <a:buFontTx/>
+              <a:buNone/>
+              <a:tabLst/>
+              <a:defRPr/>
+            </a:pPr>
+            <a:r>
+              <a:rPr lang="en-US" dirty="0"/>
+              <a:t>I grabbed a random sample of 10,000 flights from that</a:t>
+            </a:r>
+          </a:p>
+          <a:p>
+            <a:pPr marL="0" marR="0" lvl="0" indent="0" algn="l" defTabSz="914400" rtl="0" eaLnBrk="1" fontAlgn="auto" latinLnBrk="0" hangingPunct="1">
+              <a:lnSpc>
+                <a:spcPct val="100000"/>
+              </a:lnSpc>
+              <a:spcBef>
+                <a:spcPts val="0"/>
+              </a:spcBef>
+              <a:spcAft>
+                <a:spcPts val="0"/>
+              </a:spcAft>
+              <a:buClrTx/>
+              <a:buSzTx/>
+              <a:buFontTx/>
+              <a:buNone/>
+              <a:tabLst/>
+              <a:defRPr/>
+            </a:pPr>
+            <a:r>
+              <a:rPr lang="en-US" dirty="0"/>
+              <a:t>I used this complicated Python library called shapely that has some nice functions for planar geometric math stuff to calculate the lines/vectors from each origin to destination</a:t>
+            </a:r>
+          </a:p>
         </p:txBody>
       </p:sp>
       <p:sp>
@@ -895,6 +1065,52 @@
               <a:t>1 delayed flight can have multiple causes</a:t>
             </a:r>
           </a:p>
+          <a:p>
+            <a:pPr marL="0" marR="0" lvl="0" indent="0" algn="l" defTabSz="914400" rtl="0" eaLnBrk="1" fontAlgn="auto" latinLnBrk="0" hangingPunct="1">
+              <a:lnSpc>
+                <a:spcPct val="100000"/>
+              </a:lnSpc>
+              <a:spcBef>
+                <a:spcPts val="0"/>
+              </a:spcBef>
+              <a:spcAft>
+                <a:spcPts val="0"/>
+              </a:spcAft>
+              <a:buClrTx/>
+              <a:buSzTx/>
+              <a:buFontTx/>
+              <a:buNone/>
+              <a:tabLst/>
+              <a:defRPr/>
+            </a:pPr>
+            <a:r>
+              <a:rPr lang="en-US" dirty="0"/>
+              <a:t>Finally, I plotted the 10,000 flight lines on a chart, which you see</a:t>
+            </a:r>
+          </a:p>
+          <a:p>
+            <a:pPr marL="0" marR="0" lvl="0" indent="0" algn="l" defTabSz="914400" rtl="0" eaLnBrk="1" fontAlgn="auto" latinLnBrk="0" hangingPunct="1">
+              <a:lnSpc>
+                <a:spcPct val="100000"/>
+              </a:lnSpc>
+              <a:spcBef>
+                <a:spcPts val="0"/>
+              </a:spcBef>
+              <a:spcAft>
+                <a:spcPts val="0"/>
+              </a:spcAft>
+              <a:buClrTx/>
+              <a:buSzTx/>
+              <a:buFontTx/>
+              <a:buNone/>
+              <a:tabLst/>
+              <a:defRPr/>
+            </a:pPr>
+            <a:r>
+              <a:rPr lang="en-US" dirty="0"/>
+              <a:t>Looks like a lot of people flying to and from California, Florida, NE, Maybe Chicago</a:t>
+            </a:r>
+          </a:p>
         </p:txBody>
       </p:sp>
       <p:sp>
@@ -1174,6 +1390,30 @@
               <a:t>1 delayed flight can have multiple causes</a:t>
             </a:r>
           </a:p>
+          <a:p>
+            <a:r>
+              <a:rPr lang="en-US" dirty="0"/>
+              <a:t>Selecting a count of departed flights by each origin-airport,</a:t>
+            </a:r>
+          </a:p>
+          <a:p>
+            <a:r>
+              <a:rPr lang="en-US" dirty="0"/>
+              <a:t>Sum up counts for each delay-cause where there’s more than 0 minutes of delay,</a:t>
+            </a:r>
+          </a:p>
+          <a:p>
+            <a:r>
+              <a:rPr lang="en-US" dirty="0"/>
+              <a:t>Join those up</a:t>
+            </a:r>
+          </a:p>
+          <a:p>
+            <a:r>
+              <a:rPr lang="en-US" dirty="0"/>
+              <a:t>What you see here is just the top 30 origin-airports by volume of departed-flights</a:t>
+            </a:r>
+          </a:p>
         </p:txBody>
       </p:sp>
       <p:sp>
@@ -1278,6 +1518,118 @@
               <a:t>1 delayed flight can have multiple causes</a:t>
             </a:r>
           </a:p>
+          <a:p>
+            <a:pPr marL="0" marR="0" lvl="0" indent="0" algn="l" defTabSz="914400" rtl="0" eaLnBrk="1" fontAlgn="auto" latinLnBrk="0" hangingPunct="1">
+              <a:lnSpc>
+                <a:spcPct val="100000"/>
+              </a:lnSpc>
+              <a:spcBef>
+                <a:spcPts val="0"/>
+              </a:spcBef>
+              <a:spcAft>
+                <a:spcPts val="0"/>
+              </a:spcAft>
+              <a:buClrTx/>
+              <a:buSzTx/>
+              <a:buFontTx/>
+              <a:buNone/>
+              <a:tabLst/>
+              <a:defRPr/>
+            </a:pPr>
+            <a:r>
+              <a:rPr lang="en-US" dirty="0"/>
+              <a:t>This query’s a little overblown, all that matters here is that I’m grabbing the rounded fraction of delay-occurrences over flights by origin-airport from view I created in the last slide</a:t>
+            </a:r>
+          </a:p>
+          <a:p>
+            <a:pPr marL="0" marR="0" lvl="0" indent="0" algn="l" defTabSz="914400" rtl="0" eaLnBrk="1" fontAlgn="auto" latinLnBrk="0" hangingPunct="1">
+              <a:lnSpc>
+                <a:spcPct val="100000"/>
+              </a:lnSpc>
+              <a:spcBef>
+                <a:spcPts val="0"/>
+              </a:spcBef>
+              <a:spcAft>
+                <a:spcPts val="0"/>
+              </a:spcAft>
+              <a:buClrTx/>
+              <a:buSzTx/>
+              <a:buFontTx/>
+              <a:buNone/>
+              <a:tabLst/>
+              <a:defRPr/>
+            </a:pPr>
+            <a:r>
+              <a:rPr lang="en-US" dirty="0"/>
+              <a:t>There’s quite possibly some outliers here; they probably have a very little sample size.</a:t>
+            </a:r>
+          </a:p>
+          <a:p>
+            <a:pPr marL="0" marR="0" lvl="0" indent="0" algn="l" defTabSz="914400" rtl="0" eaLnBrk="1" fontAlgn="auto" latinLnBrk="0" hangingPunct="1">
+              <a:lnSpc>
+                <a:spcPct val="100000"/>
+              </a:lnSpc>
+              <a:spcBef>
+                <a:spcPts val="0"/>
+              </a:spcBef>
+              <a:spcAft>
+                <a:spcPts val="0"/>
+              </a:spcAft>
+              <a:buClrTx/>
+              <a:buSzTx/>
+              <a:buFontTx/>
+              <a:buNone/>
+              <a:tabLst/>
+              <a:defRPr/>
+            </a:pPr>
+            <a:r>
+              <a:rPr lang="en-US" dirty="0"/>
+              <a:t>I’ll factor that out a bit in the next sections, albeit with delay-time rather than delay-occurrences, but independent of volume</a:t>
+            </a:r>
+          </a:p>
+          <a:p>
+            <a:pPr marL="0" marR="0" lvl="0" indent="0" algn="l" defTabSz="914400" rtl="0" eaLnBrk="1" fontAlgn="auto" latinLnBrk="0" hangingPunct="1">
+              <a:lnSpc>
+                <a:spcPct val="100000"/>
+              </a:lnSpc>
+              <a:spcBef>
+                <a:spcPts val="0"/>
+              </a:spcBef>
+              <a:spcAft>
+                <a:spcPts val="0"/>
+              </a:spcAft>
+              <a:buClrTx/>
+              <a:buSzTx/>
+              <a:buFontTx/>
+              <a:buNone/>
+              <a:tabLst/>
+              <a:defRPr/>
+            </a:pPr>
+            <a:r>
+              <a:rPr lang="en-US" dirty="0"/>
+              <a:t>Also, I’ll tend to focus on just the top 30 origin-airports by volume of departed-flights, which should remove those anomalies</a:t>
+            </a:r>
+          </a:p>
+          <a:p>
+            <a:pPr marL="0" marR="0" lvl="0" indent="0" algn="l" defTabSz="914400" rtl="0" eaLnBrk="1" fontAlgn="auto" latinLnBrk="0" hangingPunct="1">
+              <a:lnSpc>
+                <a:spcPct val="100000"/>
+              </a:lnSpc>
+              <a:spcBef>
+                <a:spcPts val="0"/>
+              </a:spcBef>
+              <a:spcAft>
+                <a:spcPts val="0"/>
+              </a:spcAft>
+              <a:buClrTx/>
+              <a:buSzTx/>
+              <a:buFontTx/>
+              <a:buNone/>
+              <a:tabLst/>
+              <a:defRPr/>
+            </a:pPr>
+            <a:endParaRPr lang="en-US" dirty="0"/>
+          </a:p>
         </p:txBody>
       </p:sp>
       <p:sp>
@@ -1382,6 +1734,75 @@
               <a:t>1 delayed flight can have multiple causes</a:t>
             </a:r>
           </a:p>
+          <a:p>
+            <a:pPr marL="0" marR="0" lvl="0" indent="0" algn="l" defTabSz="914400" rtl="0" eaLnBrk="1" fontAlgn="auto" latinLnBrk="0" hangingPunct="1">
+              <a:lnSpc>
+                <a:spcPct val="100000"/>
+              </a:lnSpc>
+              <a:spcBef>
+                <a:spcPts val="0"/>
+              </a:spcBef>
+              <a:spcAft>
+                <a:spcPts val="0"/>
+              </a:spcAft>
+              <a:buClrTx/>
+              <a:buSzTx/>
+              <a:buFontTx/>
+              <a:buNone/>
+              <a:tabLst/>
+              <a:defRPr/>
+            </a:pPr>
+            <a:r>
+              <a:rPr lang="en-US" dirty="0"/>
+              <a:t>Grabbing the sums of each delay-causes’ minutes and grouping by origin-airport</a:t>
+            </a:r>
+          </a:p>
+          <a:p>
+            <a:pPr marL="0" marR="0" lvl="0" indent="0" algn="l" defTabSz="914400" rtl="0" eaLnBrk="1" fontAlgn="auto" latinLnBrk="0" hangingPunct="1">
+              <a:lnSpc>
+                <a:spcPct val="100000"/>
+              </a:lnSpc>
+              <a:spcBef>
+                <a:spcPts val="0"/>
+              </a:spcBef>
+              <a:spcAft>
+                <a:spcPts val="0"/>
+              </a:spcAft>
+              <a:buClrTx/>
+              <a:buSzTx/>
+              <a:buFontTx/>
+              <a:buNone/>
+              <a:tabLst/>
+              <a:defRPr/>
+            </a:pPr>
+            <a:r>
+              <a:rPr lang="en-US" dirty="0"/>
+              <a:t>You can see I have to do a bit of math to calculate the total delay time of all causes for each origin-airport, summing up all causes’ times. That’s not shown in this visualization, though, but is useful to see in the result set.</a:t>
+            </a:r>
+          </a:p>
+          <a:p>
+            <a:pPr marL="0" marR="0" lvl="0" indent="0" algn="l" defTabSz="914400" rtl="0" eaLnBrk="1" fontAlgn="auto" latinLnBrk="0" hangingPunct="1">
+              <a:lnSpc>
+                <a:spcPct val="100000"/>
+              </a:lnSpc>
+              <a:spcBef>
+                <a:spcPts val="0"/>
+              </a:spcBef>
+              <a:spcAft>
+                <a:spcPts val="0"/>
+              </a:spcAft>
+              <a:buClrTx/>
+              <a:buSzTx/>
+              <a:buFontTx/>
+              <a:buNone/>
+              <a:tabLst/>
+              <a:defRPr/>
+            </a:pPr>
+            <a:r>
+              <a:rPr lang="en-US" dirty="0"/>
+              <a:t>Stacked bar chart. Irregular skew</a:t>
+            </a:r>
+          </a:p>
         </p:txBody>
       </p:sp>
       <p:sp>
@@ -1486,6 +1907,52 @@
               <a:t>1 delayed flight can have multiple causes</a:t>
             </a:r>
           </a:p>
+          <a:p>
+            <a:pPr marL="0" marR="0" lvl="0" indent="0" algn="l" defTabSz="914400" rtl="0" eaLnBrk="1" fontAlgn="auto" latinLnBrk="0" hangingPunct="1">
+              <a:lnSpc>
+                <a:spcPct val="100000"/>
+              </a:lnSpc>
+              <a:spcBef>
+                <a:spcPts val="0"/>
+              </a:spcBef>
+              <a:spcAft>
+                <a:spcPts val="0"/>
+              </a:spcAft>
+              <a:buClrTx/>
+              <a:buSzTx/>
+              <a:buFontTx/>
+              <a:buNone/>
+              <a:tabLst/>
+              <a:defRPr/>
+            </a:pPr>
+            <a:r>
+              <a:rPr lang="en-US" dirty="0"/>
+              <a:t>I’m grabbing the rounded fraction of delay-cause-minutes over total-delay-minutes by origin-airport</a:t>
+            </a:r>
+          </a:p>
+          <a:p>
+            <a:pPr marL="0" marR="0" lvl="0" indent="0" algn="l" defTabSz="914400" rtl="0" eaLnBrk="1" fontAlgn="auto" latinLnBrk="0" hangingPunct="1">
+              <a:lnSpc>
+                <a:spcPct val="100000"/>
+              </a:lnSpc>
+              <a:spcBef>
+                <a:spcPts val="0"/>
+              </a:spcBef>
+              <a:spcAft>
+                <a:spcPts val="0"/>
+              </a:spcAft>
+              <a:buClrTx/>
+              <a:buSzTx/>
+              <a:buFontTx/>
+              <a:buNone/>
+              <a:tabLst/>
+              <a:defRPr/>
+            </a:pPr>
+            <a:r>
+              <a:rPr lang="en-US" dirty="0"/>
+              <a:t>This visualization gives you a better feel for each delay-causes’ share of delay-time by origin-airport, independent of total-delay-time</a:t>
+            </a:r>
+          </a:p>
         </p:txBody>
       </p:sp>
       <p:sp>
@@ -1590,6 +2057,75 @@
               <a:t>1 delayed flight can have multiple causes</a:t>
             </a:r>
           </a:p>
+          <a:p>
+            <a:pPr marL="0" marR="0" lvl="0" indent="0" algn="l" defTabSz="914400" rtl="0" eaLnBrk="1" fontAlgn="auto" latinLnBrk="0" hangingPunct="1">
+              <a:lnSpc>
+                <a:spcPct val="100000"/>
+              </a:lnSpc>
+              <a:spcBef>
+                <a:spcPts val="0"/>
+              </a:spcBef>
+              <a:spcAft>
+                <a:spcPts val="0"/>
+              </a:spcAft>
+              <a:buClrTx/>
+              <a:buSzTx/>
+              <a:buFontTx/>
+              <a:buNone/>
+              <a:tabLst/>
+              <a:defRPr/>
+            </a:pPr>
+            <a:r>
+              <a:rPr lang="en-US" dirty="0"/>
+              <a:t>Here I had to do a bit of work to essentially transpose the delay-cause data in a way so that in the result set, I had a delay-cause field. So that’s why this query is a bit ugly with the unions.</a:t>
+            </a:r>
+          </a:p>
+          <a:p>
+            <a:pPr marL="0" marR="0" lvl="0" indent="0" algn="l" defTabSz="914400" rtl="0" eaLnBrk="1" fontAlgn="auto" latinLnBrk="0" hangingPunct="1">
+              <a:lnSpc>
+                <a:spcPct val="100000"/>
+              </a:lnSpc>
+              <a:spcBef>
+                <a:spcPts val="0"/>
+              </a:spcBef>
+              <a:spcAft>
+                <a:spcPts val="0"/>
+              </a:spcAft>
+              <a:buClrTx/>
+              <a:buSzTx/>
+              <a:buFontTx/>
+              <a:buNone/>
+              <a:tabLst/>
+              <a:defRPr/>
+            </a:pPr>
+            <a:r>
+              <a:rPr lang="en-US" dirty="0"/>
+              <a:t>I did that so I could make these pie charts.</a:t>
+            </a:r>
+          </a:p>
+          <a:p>
+            <a:pPr marL="0" marR="0" lvl="0" indent="0" algn="l" defTabSz="914400" rtl="0" eaLnBrk="1" fontAlgn="auto" latinLnBrk="0" hangingPunct="1">
+              <a:lnSpc>
+                <a:spcPct val="100000"/>
+              </a:lnSpc>
+              <a:spcBef>
+                <a:spcPts val="0"/>
+              </a:spcBef>
+              <a:spcAft>
+                <a:spcPts val="0"/>
+              </a:spcAft>
+              <a:buClrTx/>
+              <a:buSzTx/>
+              <a:buFontTx/>
+              <a:buNone/>
+              <a:tabLst/>
+              <a:defRPr/>
+            </a:pPr>
+            <a:r>
+              <a:rPr lang="en-US" dirty="0"/>
+              <a:t>I was surprised to see how small weather was. I was happy to see security issues are basically unobservable.</a:t>
+            </a:r>
+          </a:p>
         </p:txBody>
       </p:sp>
       <p:sp>
@@ -1694,6 +2230,207 @@
               <a:t>1 delayed flight can have multiple causes</a:t>
             </a:r>
           </a:p>
+          <a:p>
+            <a:pPr marL="0" marR="0" lvl="0" indent="0" algn="l" defTabSz="914400" rtl="0" eaLnBrk="1" fontAlgn="auto" latinLnBrk="0" hangingPunct="1">
+              <a:lnSpc>
+                <a:spcPct val="100000"/>
+              </a:lnSpc>
+              <a:spcBef>
+                <a:spcPts val="0"/>
+              </a:spcBef>
+              <a:spcAft>
+                <a:spcPts val="0"/>
+              </a:spcAft>
+              <a:buClrTx/>
+              <a:buSzTx/>
+              <a:buFontTx/>
+              <a:buNone/>
+              <a:tabLst/>
+              <a:defRPr/>
+            </a:pPr>
+            <a:r>
+              <a:rPr lang="en-US" dirty="0"/>
+              <a:t>I wanted to bolster up the dataset a bit to do something a little more interesting</a:t>
+            </a:r>
+          </a:p>
+          <a:p>
+            <a:pPr marL="0" marR="0" lvl="0" indent="0" algn="l" defTabSz="914400" rtl="0" eaLnBrk="1" fontAlgn="auto" latinLnBrk="0" hangingPunct="1">
+              <a:lnSpc>
+                <a:spcPct val="100000"/>
+              </a:lnSpc>
+              <a:spcBef>
+                <a:spcPts val="0"/>
+              </a:spcBef>
+              <a:spcAft>
+                <a:spcPts val="0"/>
+              </a:spcAft>
+              <a:buClrTx/>
+              <a:buSzTx/>
+              <a:buFontTx/>
+              <a:buNone/>
+              <a:tabLst/>
+              <a:defRPr/>
+            </a:pPr>
+            <a:r>
+              <a:rPr lang="en-US" dirty="0"/>
+              <a:t>So, I used the requests library to fetch some IATA codes &amp; FIPS datasets from the internet.</a:t>
+            </a:r>
+          </a:p>
+          <a:p>
+            <a:pPr marL="0" marR="0" lvl="0" indent="0" algn="l" defTabSz="914400" rtl="0" eaLnBrk="1" fontAlgn="auto" latinLnBrk="0" hangingPunct="1">
+              <a:lnSpc>
+                <a:spcPct val="100000"/>
+              </a:lnSpc>
+              <a:spcBef>
+                <a:spcPts val="0"/>
+              </a:spcBef>
+              <a:spcAft>
+                <a:spcPts val="0"/>
+              </a:spcAft>
+              <a:buClrTx/>
+              <a:buSzTx/>
+              <a:buFontTx/>
+              <a:buNone/>
+              <a:tabLst/>
+              <a:defRPr/>
+            </a:pPr>
+            <a:r>
+              <a:rPr lang="en-US" b="1" i="0" dirty="0"/>
+              <a:t>IATA: </a:t>
+            </a:r>
+            <a:r>
+              <a:rPr lang="en-US" b="0" i="0" dirty="0"/>
+              <a:t>International Air Transport Association airport codes</a:t>
+            </a:r>
+          </a:p>
+          <a:p>
+            <a:pPr marL="0" marR="0" lvl="0" indent="0" algn="l" defTabSz="914400" rtl="0" eaLnBrk="1" fontAlgn="auto" latinLnBrk="0" hangingPunct="1">
+              <a:lnSpc>
+                <a:spcPct val="100000"/>
+              </a:lnSpc>
+              <a:spcBef>
+                <a:spcPts val="0"/>
+              </a:spcBef>
+              <a:spcAft>
+                <a:spcPts val="0"/>
+              </a:spcAft>
+              <a:buClrTx/>
+              <a:buSzTx/>
+              <a:buFontTx/>
+              <a:buNone/>
+              <a:tabLst/>
+              <a:defRPr/>
+            </a:pPr>
+            <a:r>
+              <a:rPr lang="en-US" b="1" i="0" dirty="0"/>
+              <a:t>FAA: </a:t>
+            </a:r>
+            <a:r>
+              <a:rPr lang="en-US" b="0" i="0" dirty="0"/>
+              <a:t>Federal Aviation Administration airport codes</a:t>
+            </a:r>
+          </a:p>
+          <a:p>
+            <a:pPr marL="0" marR="0" lvl="0" indent="0" algn="l" defTabSz="914400" rtl="0" eaLnBrk="1" fontAlgn="auto" latinLnBrk="0" hangingPunct="1">
+              <a:lnSpc>
+                <a:spcPct val="100000"/>
+              </a:lnSpc>
+              <a:spcBef>
+                <a:spcPts val="0"/>
+              </a:spcBef>
+              <a:spcAft>
+                <a:spcPts val="0"/>
+              </a:spcAft>
+              <a:buClrTx/>
+              <a:buSzTx/>
+              <a:buFontTx/>
+              <a:buNone/>
+              <a:tabLst/>
+              <a:defRPr/>
+            </a:pPr>
+            <a:r>
+              <a:rPr lang="en-US" b="1" i="0" dirty="0"/>
+              <a:t>FIPS: </a:t>
+            </a:r>
+            <a:r>
+              <a:rPr lang="en-US" b="0" i="0" dirty="0"/>
+              <a:t>Federal Information Processing Standards geographical area codes</a:t>
+            </a:r>
+          </a:p>
+          <a:p>
+            <a:pPr marL="0" marR="0" lvl="0" indent="0" algn="l" defTabSz="914400" rtl="0" eaLnBrk="1" fontAlgn="auto" latinLnBrk="0" hangingPunct="1">
+              <a:lnSpc>
+                <a:spcPct val="100000"/>
+              </a:lnSpc>
+              <a:spcBef>
+                <a:spcPts val="0"/>
+              </a:spcBef>
+              <a:spcAft>
+                <a:spcPts val="0"/>
+              </a:spcAft>
+              <a:buClrTx/>
+              <a:buSzTx/>
+              <a:buFontTx/>
+              <a:buNone/>
+              <a:tabLst/>
+              <a:defRPr/>
+            </a:pPr>
+            <a:r>
+              <a:rPr lang="en-US" dirty="0"/>
+              <a:t>I had to do a bit of wrangling to pull the data out of the HTML elements and stuff to build out my </a:t>
+            </a:r>
+            <a:r>
+              <a:rPr lang="en-US" dirty="0" err="1"/>
+              <a:t>dataframes</a:t>
+            </a:r>
+            <a:r>
+              <a:rPr lang="en-US" dirty="0"/>
+              <a:t>.</a:t>
+            </a:r>
+          </a:p>
+          <a:p>
+            <a:pPr marL="0" marR="0" lvl="0" indent="0" algn="l" defTabSz="914400" rtl="0" eaLnBrk="1" fontAlgn="auto" latinLnBrk="0" hangingPunct="1">
+              <a:lnSpc>
+                <a:spcPct val="100000"/>
+              </a:lnSpc>
+              <a:spcBef>
+                <a:spcPts val="0"/>
+              </a:spcBef>
+              <a:spcAft>
+                <a:spcPts val="0"/>
+              </a:spcAft>
+              <a:buClrTx/>
+              <a:buSzTx/>
+              <a:buFontTx/>
+              <a:buNone/>
+              <a:tabLst/>
+              <a:defRPr/>
+            </a:pPr>
+            <a:r>
+              <a:rPr lang="en-US" dirty="0"/>
+              <a:t>I actually originally went out and did this for FAA codes rather than IATA codes, so that was a bit frustrating to realize, then I went out and got some IATA code dataset that wasn’t very good before I stumbled upon this good dataset.</a:t>
+            </a:r>
+          </a:p>
+          <a:p>
+            <a:pPr marL="0" marR="0" lvl="0" indent="0" algn="l" defTabSz="914400" rtl="0" eaLnBrk="1" fontAlgn="auto" latinLnBrk="0" hangingPunct="1">
+              <a:lnSpc>
+                <a:spcPct val="100000"/>
+              </a:lnSpc>
+              <a:spcBef>
+                <a:spcPts val="0"/>
+              </a:spcBef>
+              <a:spcAft>
+                <a:spcPts val="0"/>
+              </a:spcAft>
+              <a:buClrTx/>
+              <a:buSzTx/>
+              <a:buFontTx/>
+              <a:buNone/>
+              <a:tabLst/>
+              <a:defRPr/>
+            </a:pPr>
+            <a:endParaRPr lang="en-US" dirty="0"/>
+          </a:p>
         </p:txBody>
       </p:sp>
       <p:sp>
@@ -1796,6 +2533,75 @@
             <a:r>
               <a:rPr lang="en-US" dirty="0"/>
               <a:t>1 delayed flight can have multiple causes</a:t>
+            </a:r>
+          </a:p>
+          <a:p>
+            <a:pPr marL="0" marR="0" lvl="0" indent="0" algn="l" defTabSz="914400" rtl="0" eaLnBrk="1" fontAlgn="auto" latinLnBrk="0" hangingPunct="1">
+              <a:lnSpc>
+                <a:spcPct val="100000"/>
+              </a:lnSpc>
+              <a:spcBef>
+                <a:spcPts val="0"/>
+              </a:spcBef>
+              <a:spcAft>
+                <a:spcPts val="0"/>
+              </a:spcAft>
+              <a:buClrTx/>
+              <a:buSzTx/>
+              <a:buFontTx/>
+              <a:buNone/>
+              <a:tabLst/>
+              <a:defRPr/>
+            </a:pPr>
+            <a:r>
+              <a:rPr lang="en-US" dirty="0"/>
+              <a:t>Join IATA, States, FIPS, to delay-time ratios dataset</a:t>
+            </a:r>
+          </a:p>
+          <a:p>
+            <a:pPr marL="0" marR="0" lvl="0" indent="0" algn="l" defTabSz="914400" rtl="0" eaLnBrk="1" fontAlgn="auto" latinLnBrk="0" hangingPunct="1">
+              <a:lnSpc>
+                <a:spcPct val="100000"/>
+              </a:lnSpc>
+              <a:spcBef>
+                <a:spcPts val="0"/>
+              </a:spcBef>
+              <a:spcAft>
+                <a:spcPts val="0"/>
+              </a:spcAft>
+              <a:buClrTx/>
+              <a:buSzTx/>
+              <a:buFontTx/>
+              <a:buNone/>
+              <a:tabLst/>
+              <a:defRPr/>
+            </a:pPr>
+            <a:r>
+              <a:rPr lang="en-US" dirty="0"/>
+              <a:t>Mapped it on this choropleth chart</a:t>
+            </a:r>
+          </a:p>
+          <a:p>
+            <a:pPr marL="0" marR="0" lvl="0" indent="0" algn="l" defTabSz="914400" rtl="0" eaLnBrk="1" fontAlgn="auto" latinLnBrk="0" hangingPunct="1">
+              <a:lnSpc>
+                <a:spcPct val="100000"/>
+              </a:lnSpc>
+              <a:spcBef>
+                <a:spcPts val="0"/>
+              </a:spcBef>
+              <a:spcAft>
+                <a:spcPts val="0"/>
+              </a:spcAft>
+              <a:buClrTx/>
+              <a:buSzTx/>
+              <a:buFontTx/>
+              <a:buNone/>
+              <a:tabLst/>
+              <a:defRPr/>
+            </a:pPr>
+            <a:r>
+              <a:rPr lang="en-US" dirty="0"/>
+              <a:t>Harsh winters in north, tornado alley, hurricanes in FL</a:t>
             </a:r>
           </a:p>
         </p:txBody>
@@ -7339,6 +8145,17 @@
                 <a:latin typeface="MS Reference Sans Serif" panose="020B0604030504040204" pitchFamily="34" charset="0"/>
               </a:rPr>
               <a:t>Business Actions, Further Work</a:t>
+            </a:r>
+            <a:br>
+              <a:rPr lang="en-US" dirty="0">
+                <a:latin typeface="MS Reference Sans Serif" panose="020B0604030504040204" pitchFamily="34" charset="0"/>
+              </a:rPr>
+            </a:br>
+            <a:r>
+              <a:rPr lang="en-US" sz="2800" dirty="0">
+                <a:latin typeface="MS Reference Sans Serif" panose="020B0604030504040204" pitchFamily="34" charset="0"/>
+              </a:rPr>
+              <a:t>Expanded Use Cases, Addl. Datasets</a:t>
             </a:r>
           </a:p>
         </p:txBody>

--- a/Databricks/databricks_data_findings.pptx
+++ b/Databricks/databricks_data_findings.pptx
@@ -780,6 +780,29 @@
               <a:t>Which you see here</a:t>
             </a:r>
           </a:p>
+          <a:p>
+            <a:pPr marL="0" marR="0" lvl="0" indent="0" algn="l" defTabSz="914400" rtl="0" eaLnBrk="1" fontAlgn="auto" latinLnBrk="0" hangingPunct="1">
+              <a:lnSpc>
+                <a:spcPct val="100000"/>
+              </a:lnSpc>
+              <a:spcBef>
+                <a:spcPts val="0"/>
+              </a:spcBef>
+              <a:spcAft>
+                <a:spcPts val="0"/>
+              </a:spcAft>
+              <a:buClrTx/>
+              <a:buSzTx/>
+              <a:buFontTx/>
+              <a:buNone/>
+              <a:tabLst/>
+              <a:defRPr/>
+            </a:pPr>
+            <a:r>
+              <a:rPr lang="en-US" dirty="0"/>
+              <a:t>A lot of people must live on the East &amp; West coasts from the density of airports we see</a:t>
+            </a:r>
+          </a:p>
         </p:txBody>
       </p:sp>
       <p:sp>
@@ -2323,11 +2346,11 @@
             </a:pPr>
             <a:r>
               <a:rPr lang="en-US" b="1" i="0" dirty="0"/>
-              <a:t>FAA: </a:t>
+              <a:t>FIPS: </a:t>
             </a:r>
             <a:r>
               <a:rPr lang="en-US" b="0" i="0" dirty="0"/>
-              <a:t>Federal Aviation Administration airport codes</a:t>
+              <a:t>Federal Information Processing Standards geographical area codes</a:t>
             </a:r>
           </a:p>
           <a:p>
@@ -2349,12 +2372,16 @@
               <a:defRPr/>
             </a:pPr>
             <a:r>
-              <a:rPr lang="en-US" b="1" i="0" dirty="0"/>
-              <a:t>FIPS: </a:t>
-            </a:r>
-            <a:r>
-              <a:rPr lang="en-US" b="0" i="0" dirty="0"/>
-              <a:t>Federal Information Processing Standards geographical area codes</a:t>
+              <a:rPr lang="en-US" dirty="0"/>
+              <a:t>I had to do a bit of wrangling to pull the data out of the HTML elements and stuff to build out my </a:t>
+            </a:r>
+            <a:r>
+              <a:rPr lang="en-US" dirty="0" err="1"/>
+              <a:t>dataframes</a:t>
+            </a:r>
+            <a:r>
+              <a:rPr lang="en-US" dirty="0"/>
+              <a:t>.</a:t>
             </a:r>
           </a:p>
           <a:p>
@@ -2377,15 +2404,7 @@
             </a:pPr>
             <a:r>
               <a:rPr lang="en-US" dirty="0"/>
-              <a:t>I had to do a bit of wrangling to pull the data out of the HTML elements and stuff to build out my </a:t>
-            </a:r>
-            <a:r>
-              <a:rPr lang="en-US" dirty="0" err="1"/>
-              <a:t>dataframes</a:t>
-            </a:r>
-            <a:r>
-              <a:rPr lang="en-US" dirty="0"/>
-              <a:t>.</a:t>
+              <a:t>I actually originally went out and did this for FAA codes rather than IATA codes, so that was a bit frustrating to realize, then I went out and got some IATA code dataset that wasn’t very good before I stumbled upon this good dataset.</a:t>
             </a:r>
           </a:p>
           <a:p>
@@ -2407,9 +2426,33 @@
               <a:defRPr/>
             </a:pPr>
             <a:r>
-              <a:rPr lang="en-US" dirty="0"/>
-              <a:t>I actually originally went out and did this for FAA codes rather than IATA codes, so that was a bit frustrating to realize, then I went out and got some IATA code dataset that wasn’t very good before I stumbled upon this good dataset.</a:t>
-            </a:r>
+              <a:rPr lang="en-US" b="1" i="0" dirty="0"/>
+              <a:t>FAA: </a:t>
+            </a:r>
+            <a:r>
+              <a:rPr lang="en-US" b="0" i="0" dirty="0"/>
+              <a:t>Federal Aviation Administration airport codes</a:t>
+            </a:r>
+          </a:p>
+          <a:p>
+            <a:pPr marL="0" marR="0" lvl="0" indent="0" algn="l" defTabSz="914400" rtl="0" eaLnBrk="1" fontAlgn="auto" latinLnBrk="0" hangingPunct="1">
+              <a:lnSpc>
+                <a:spcPct val="100000"/>
+              </a:lnSpc>
+              <a:spcBef>
+                <a:spcPts val="0"/>
+              </a:spcBef>
+              <a:spcAft>
+                <a:spcPts val="0"/>
+              </a:spcAft>
+              <a:buClrTx/>
+              <a:buSzTx/>
+              <a:buFontTx/>
+              <a:buNone/>
+              <a:tabLst/>
+              <a:defRPr/>
+            </a:pPr>
+            <a:endParaRPr lang="en-US" dirty="0"/>
           </a:p>
           <a:p>
             <a:pPr marL="0" marR="0" lvl="0" indent="0" algn="l" defTabSz="914400" rtl="0" eaLnBrk="1" fontAlgn="auto" latinLnBrk="0" hangingPunct="1">
@@ -8227,7 +8270,7 @@
               <a:rPr lang="en-US" dirty="0">
                 <a:latin typeface="MS Reference Sans Serif" panose="020B0604030504040204" pitchFamily="34" charset="0"/>
               </a:rPr>
-              <a:t>Expedia could rebalance its flight ticket offerings to have a greater share of brokered tickets rather than merchandised tickets to alleviate its risk of claims for refunds by customers</a:t>
+              <a:t>Expedia could recognize conditions &amp; rebalance its flight ticket offerings to have a greater share of brokered tickets rather than merchandised tickets to alleviate its risk of claims for refunds by customers</a:t>
             </a:r>
           </a:p>
           <a:p>
@@ -9658,7 +9701,7 @@
           <p:nvPr>
             <p:extLst>
               <p:ext uri="{D42A27DB-BD31-4B8C-83A1-F6EECF244321}">
-                <p14:modId xmlns:p14="http://schemas.microsoft.com/office/powerpoint/2010/main" val="2434084074"/>
+                <p14:modId xmlns:p14="http://schemas.microsoft.com/office/powerpoint/2010/main" val="1759074931"/>
               </p:ext>
             </p:extLst>
           </p:nvPr>
@@ -9913,7 +9956,7 @@
                         <a:rPr lang="en-US" sz="1400" dirty="0">
                           <a:latin typeface="MS Reference Sans Serif" panose="020B0604030504040204" pitchFamily="34" charset="0"/>
                         </a:rPr>
-                        <a:t>Aircraft arrives late from previous flight</a:t>
+                        <a:t>Plane arrives late from previous flight</a:t>
                       </a:r>
                     </a:p>
                   </a:txBody>
@@ -10988,7 +11031,7 @@
               <a:rPr lang="en-US" dirty="0">
                 <a:latin typeface="MS Reference Sans Serif" panose="020B0604030504040204" pitchFamily="34" charset="0"/>
               </a:rPr>
-              <a:t>By ratio of departure-delay occurrences to departures, which origin-airports have the most departure-delays?</a:t>
+              <a:t>By ratio of departure-delay occurrences to departures, which origin-airports have the most departure-delays? (Cont.)</a:t>
             </a:r>
           </a:p>
           <a:p>
@@ -11001,7 +11044,7 @@
               <a:rPr lang="en-US" dirty="0">
                 <a:latin typeface="MS Reference Sans Serif" panose="020B0604030504040204" pitchFamily="34" charset="0"/>
               </a:rPr>
-              <a:t>For each origin-airport, what proportion of total departures is delayed by each delay-cause?</a:t>
+              <a:t>For each origin-airport, what proportion of total departures is delayed by each delay-cause? (Cont.)</a:t>
             </a:r>
           </a:p>
           <a:p>
